--- a/FFPM/FFPM 549.pptx
+++ b/FFPM/FFPM 549.pptx
@@ -120,6 +120,22 @@
       </a:defRPr>
     </a:lvl9pPr>
   </p:defaultTextStyle>
+  <p:extLst>
+    <p:ext uri="{EFAFB233-063F-42B5-8137-9DF3F51BA10A}">
+      <p15:sldGuideLst xmlns:p15="http://schemas.microsoft.com/office/powerpoint/2012/main">
+        <p15:guide id="1" orient="horz" pos="1620">
+          <p15:clr>
+            <a:srgbClr val="A4A3A4"/>
+          </p15:clr>
+        </p15:guide>
+        <p15:guide id="2" pos="2880">
+          <p15:clr>
+            <a:srgbClr val="A4A3A4"/>
+          </p15:clr>
+        </p15:guide>
+      </p15:sldGuideLst>
+    </p:ext>
+  </p:extLst>
 </p:presentation>
 </file>
 
@@ -305,7 +321,7 @@
             <a:fld id="{E1E9137A-D7C1-4F8C-A62B-C89ADD9F06F3}" type="datetimeFigureOut">
               <a:rPr lang="fr-FR" smtClean="0"/>
               <a:pPr/>
-              <a:t>31/10/2014</a:t>
+              <a:t>29/05/2025</a:t>
             </a:fld>
             <a:endParaRPr lang="fr-FR"/>
           </a:p>
@@ -472,7 +488,7 @@
             <a:fld id="{E1E9137A-D7C1-4F8C-A62B-C89ADD9F06F3}" type="datetimeFigureOut">
               <a:rPr lang="fr-FR" smtClean="0"/>
               <a:pPr/>
-              <a:t>31/10/2014</a:t>
+              <a:t>29/05/2025</a:t>
             </a:fld>
             <a:endParaRPr lang="fr-FR"/>
           </a:p>
@@ -649,7 +665,7 @@
             <a:fld id="{E1E9137A-D7C1-4F8C-A62B-C89ADD9F06F3}" type="datetimeFigureOut">
               <a:rPr lang="fr-FR" smtClean="0"/>
               <a:pPr/>
-              <a:t>31/10/2014</a:t>
+              <a:t>29/05/2025</a:t>
             </a:fld>
             <a:endParaRPr lang="fr-FR"/>
           </a:p>
@@ -816,7 +832,7 @@
             <a:fld id="{E1E9137A-D7C1-4F8C-A62B-C89ADD9F06F3}" type="datetimeFigureOut">
               <a:rPr lang="fr-FR" smtClean="0"/>
               <a:pPr/>
-              <a:t>31/10/2014</a:t>
+              <a:t>29/05/2025</a:t>
             </a:fld>
             <a:endParaRPr lang="fr-FR"/>
           </a:p>
@@ -1059,7 +1075,7 @@
             <a:fld id="{E1E9137A-D7C1-4F8C-A62B-C89ADD9F06F3}" type="datetimeFigureOut">
               <a:rPr lang="fr-FR" smtClean="0"/>
               <a:pPr/>
-              <a:t>31/10/2014</a:t>
+              <a:t>29/05/2025</a:t>
             </a:fld>
             <a:endParaRPr lang="fr-FR"/>
           </a:p>
@@ -1344,7 +1360,7 @@
             <a:fld id="{E1E9137A-D7C1-4F8C-A62B-C89ADD9F06F3}" type="datetimeFigureOut">
               <a:rPr lang="fr-FR" smtClean="0"/>
               <a:pPr/>
-              <a:t>31/10/2014</a:t>
+              <a:t>29/05/2025</a:t>
             </a:fld>
             <a:endParaRPr lang="fr-FR"/>
           </a:p>
@@ -1763,7 +1779,7 @@
             <a:fld id="{E1E9137A-D7C1-4F8C-A62B-C89ADD9F06F3}" type="datetimeFigureOut">
               <a:rPr lang="fr-FR" smtClean="0"/>
               <a:pPr/>
-              <a:t>31/10/2014</a:t>
+              <a:t>29/05/2025</a:t>
             </a:fld>
             <a:endParaRPr lang="fr-FR"/>
           </a:p>
@@ -1878,7 +1894,7 @@
             <a:fld id="{E1E9137A-D7C1-4F8C-A62B-C89ADD9F06F3}" type="datetimeFigureOut">
               <a:rPr lang="fr-FR" smtClean="0"/>
               <a:pPr/>
-              <a:t>31/10/2014</a:t>
+              <a:t>29/05/2025</a:t>
             </a:fld>
             <a:endParaRPr lang="fr-FR"/>
           </a:p>
@@ -1970,7 +1986,7 @@
             <a:fld id="{E1E9137A-D7C1-4F8C-A62B-C89ADD9F06F3}" type="datetimeFigureOut">
               <a:rPr lang="fr-FR" smtClean="0"/>
               <a:pPr/>
-              <a:t>31/10/2014</a:t>
+              <a:t>29/05/2025</a:t>
             </a:fld>
             <a:endParaRPr lang="fr-FR"/>
           </a:p>
@@ -2244,7 +2260,7 @@
             <a:fld id="{E1E9137A-D7C1-4F8C-A62B-C89ADD9F06F3}" type="datetimeFigureOut">
               <a:rPr lang="fr-FR" smtClean="0"/>
               <a:pPr/>
-              <a:t>31/10/2014</a:t>
+              <a:t>29/05/2025</a:t>
             </a:fld>
             <a:endParaRPr lang="fr-FR"/>
           </a:p>
@@ -2494,7 +2510,7 @@
             <a:fld id="{E1E9137A-D7C1-4F8C-A62B-C89ADD9F06F3}" type="datetimeFigureOut">
               <a:rPr lang="fr-FR" smtClean="0"/>
               <a:pPr/>
-              <a:t>31/10/2014</a:t>
+              <a:t>29/05/2025</a:t>
             </a:fld>
             <a:endParaRPr lang="fr-FR"/>
           </a:p>
@@ -2707,7 +2723,7 @@
             <a:fld id="{E1E9137A-D7C1-4F8C-A62B-C89ADD9F06F3}" type="datetimeFigureOut">
               <a:rPr lang="fr-FR" smtClean="0"/>
               <a:pPr/>
-              <a:t>31/10/2014</a:t>
+              <a:t>29/05/2025</a:t>
             </a:fld>
             <a:endParaRPr lang="fr-FR"/>
           </a:p>
@@ -5426,12 +5442,20 @@
               <a:t> </a:t>
             </a:r>
             <a:r>
-              <a:rPr lang="fr-FR" sz="6600" b="1" dirty="0" err="1" smtClean="0">
-                <a:solidFill>
-                  <a:srgbClr val="FFFF00"/>
-                </a:solidFill>
-              </a:rPr>
-              <a:t>rnby</a:t>
+              <a:rPr lang="fr-FR" sz="6600" b="1">
+                <a:solidFill>
+                  <a:srgbClr val="FFFF00"/>
+                </a:solidFill>
+              </a:rPr>
+              <a:t>m</a:t>
+            </a:r>
+            <a:r>
+              <a:rPr lang="fr-FR" sz="6600" b="1" smtClean="0">
+                <a:solidFill>
+                  <a:srgbClr val="FFFF00"/>
+                </a:solidFill>
+              </a:rPr>
+              <a:t>by</a:t>
             </a:r>
             <a:r>
               <a:rPr lang="fr-FR" sz="6600" b="1" dirty="0" smtClean="0">
@@ -5439,7 +5463,15 @@
                   <a:srgbClr val="FFFF00"/>
                 </a:solidFill>
               </a:rPr>
-              <a:t> an-</a:t>
+              <a:t> </a:t>
+            </a:r>
+            <a:r>
+              <a:rPr lang="fr-FR" sz="6600" b="1" dirty="0" smtClean="0">
+                <a:solidFill>
+                  <a:srgbClr val="FFFF00"/>
+                </a:solidFill>
+              </a:rPr>
+              <a:t>an-</a:t>
             </a:r>
             <a:r>
               <a:rPr lang="fr-FR" sz="6600" b="1" dirty="0" err="1" smtClean="0">
@@ -5740,11 +5772,6 @@
               </a:rPr>
               <a:t>; </a:t>
             </a:r>
-            <a:endParaRPr lang="fr-FR" sz="6600" b="1" dirty="0">
-              <a:solidFill>
-                <a:srgbClr val="FFFF00"/>
-              </a:solidFill>
-            </a:endParaRPr>
           </a:p>
         </p:txBody>
       </p:sp>
